--- a/579 - Shall We Gather Home to Zion.pptx
+++ b/579 - Shall We Gather Home to Zion.pptx
@@ -250,7 +250,7 @@
           <a:p>
             <a:fld id="{32F7251A-AE54-443C-B8FE-5F636E835EBF}" type="datetimeFigureOut">
               <a:rPr lang="en-US" smtClean="0"/>
-              <a:t>6/13/2017</a:t>
+              <a:t>11/18/2017</a:t>
             </a:fld>
             <a:endParaRPr lang="en-US"/>
           </a:p>
@@ -418,7 +418,7 @@
           <a:p>
             <a:fld id="{32F7251A-AE54-443C-B8FE-5F636E835EBF}" type="datetimeFigureOut">
               <a:rPr lang="en-US" smtClean="0"/>
-              <a:t>6/13/2017</a:t>
+              <a:t>11/18/2017</a:t>
             </a:fld>
             <a:endParaRPr lang="en-US"/>
           </a:p>
@@ -596,7 +596,7 @@
           <a:p>
             <a:fld id="{32F7251A-AE54-443C-B8FE-5F636E835EBF}" type="datetimeFigureOut">
               <a:rPr lang="en-US" smtClean="0"/>
-              <a:t>6/13/2017</a:t>
+              <a:t>11/18/2017</a:t>
             </a:fld>
             <a:endParaRPr lang="en-US"/>
           </a:p>
@@ -764,7 +764,7 @@
           <a:p>
             <a:fld id="{32F7251A-AE54-443C-B8FE-5F636E835EBF}" type="datetimeFigureOut">
               <a:rPr lang="en-US" smtClean="0"/>
-              <a:t>6/13/2017</a:t>
+              <a:t>11/18/2017</a:t>
             </a:fld>
             <a:endParaRPr lang="en-US"/>
           </a:p>
@@ -1009,7 +1009,7 @@
           <a:p>
             <a:fld id="{32F7251A-AE54-443C-B8FE-5F636E835EBF}" type="datetimeFigureOut">
               <a:rPr lang="en-US" smtClean="0"/>
-              <a:t>6/13/2017</a:t>
+              <a:t>11/18/2017</a:t>
             </a:fld>
             <a:endParaRPr lang="en-US"/>
           </a:p>
@@ -1238,7 +1238,7 @@
           <a:p>
             <a:fld id="{32F7251A-AE54-443C-B8FE-5F636E835EBF}" type="datetimeFigureOut">
               <a:rPr lang="en-US" smtClean="0"/>
-              <a:t>6/13/2017</a:t>
+              <a:t>11/18/2017</a:t>
             </a:fld>
             <a:endParaRPr lang="en-US"/>
           </a:p>
@@ -1602,7 +1602,7 @@
           <a:p>
             <a:fld id="{32F7251A-AE54-443C-B8FE-5F636E835EBF}" type="datetimeFigureOut">
               <a:rPr lang="en-US" smtClean="0"/>
-              <a:t>6/13/2017</a:t>
+              <a:t>11/18/2017</a:t>
             </a:fld>
             <a:endParaRPr lang="en-US"/>
           </a:p>
@@ -1719,7 +1719,7 @@
           <a:p>
             <a:fld id="{32F7251A-AE54-443C-B8FE-5F636E835EBF}" type="datetimeFigureOut">
               <a:rPr lang="en-US" smtClean="0"/>
-              <a:t>6/13/2017</a:t>
+              <a:t>11/18/2017</a:t>
             </a:fld>
             <a:endParaRPr lang="en-US"/>
           </a:p>
@@ -1814,7 +1814,7 @@
           <a:p>
             <a:fld id="{32F7251A-AE54-443C-B8FE-5F636E835EBF}" type="datetimeFigureOut">
               <a:rPr lang="en-US" smtClean="0"/>
-              <a:t>6/13/2017</a:t>
+              <a:t>11/18/2017</a:t>
             </a:fld>
             <a:endParaRPr lang="en-US"/>
           </a:p>
@@ -2089,7 +2089,7 @@
           <a:p>
             <a:fld id="{32F7251A-AE54-443C-B8FE-5F636E835EBF}" type="datetimeFigureOut">
               <a:rPr lang="en-US" smtClean="0"/>
-              <a:t>6/13/2017</a:t>
+              <a:t>11/18/2017</a:t>
             </a:fld>
             <a:endParaRPr lang="en-US"/>
           </a:p>
@@ -2341,7 +2341,7 @@
           <a:p>
             <a:fld id="{32F7251A-AE54-443C-B8FE-5F636E835EBF}" type="datetimeFigureOut">
               <a:rPr lang="en-US" smtClean="0"/>
-              <a:t>6/13/2017</a:t>
+              <a:t>11/18/2017</a:t>
             </a:fld>
             <a:endParaRPr lang="en-US"/>
           </a:p>
@@ -2555,7 +2555,7 @@
           <a:p>
             <a:fld id="{32F7251A-AE54-443C-B8FE-5F636E835EBF}" type="datetimeFigureOut">
               <a:rPr lang="en-US" smtClean="0"/>
-              <a:t>6/13/2017</a:t>
+              <a:t>11/18/2017</a:t>
             </a:fld>
             <a:endParaRPr lang="en-US"/>
           </a:p>
